--- a/FinalPresentation/F19_T27_Final_Presentation.pptx
+++ b/FinalPresentation/F19_T27_Final_Presentation.pptx
@@ -5,19 +5,20 @@
     <p:sldMasterId id="2147483648" r:id="rId4"/>
   </p:sldMasterIdLst>
   <p:notesMasterIdLst>
-    <p:notesMasterId r:id="rId15"/>
+    <p:notesMasterId r:id="rId16"/>
   </p:notesMasterIdLst>
   <p:sldIdLst>
     <p:sldId id="256" r:id="rId5"/>
     <p:sldId id="257" r:id="rId6"/>
     <p:sldId id="258" r:id="rId7"/>
-    <p:sldId id="267" r:id="rId8"/>
-    <p:sldId id="259" r:id="rId9"/>
-    <p:sldId id="260" r:id="rId10"/>
-    <p:sldId id="262" r:id="rId11"/>
-    <p:sldId id="268" r:id="rId12"/>
-    <p:sldId id="263" r:id="rId13"/>
-    <p:sldId id="261" r:id="rId14"/>
+    <p:sldId id="269" r:id="rId8"/>
+    <p:sldId id="267" r:id="rId9"/>
+    <p:sldId id="259" r:id="rId10"/>
+    <p:sldId id="260" r:id="rId11"/>
+    <p:sldId id="262" r:id="rId12"/>
+    <p:sldId id="268" r:id="rId13"/>
+    <p:sldId id="263" r:id="rId14"/>
+    <p:sldId id="261" r:id="rId15"/>
   </p:sldIdLst>
   <p:sldSz cx="12192000" cy="6858000"/>
   <p:notesSz cx="6858000" cy="9144000"/>
@@ -225,7 +226,7 @@
           <a:p>
             <a:fld id="{8525F764-39C0-464D-9936-141E26F9A5EB}" type="datetimeFigureOut">
               <a:rPr lang="en-US" smtClean="0"/>
-              <a:t>11/23/2019</a:t>
+              <a:t>11/25/2019</a:t>
             </a:fld>
             <a:endParaRPr lang="en-US"/>
           </a:p>
@@ -636,6 +637,192 @@
 </p:notes>
 </file>
 
+<file path=ppt/notesSlides/notesSlide10.xml><?xml version="1.0" encoding="utf-8"?>
+<p:notes xmlns:a="http://schemas.openxmlformats.org/drawingml/2006/main" xmlns:r="http://schemas.openxmlformats.org/officeDocument/2006/relationships" xmlns:p="http://schemas.openxmlformats.org/presentationml/2006/main">
+  <p:cSld>
+    <p:spTree>
+      <p:nvGrpSpPr>
+        <p:cNvPr id="1" name=""/>
+        <p:cNvGrpSpPr/>
+        <p:nvPr/>
+      </p:nvGrpSpPr>
+      <p:grpSpPr>
+        <a:xfrm>
+          <a:off x="0" y="0"/>
+          <a:ext cx="0" cy="0"/>
+          <a:chOff x="0" y="0"/>
+          <a:chExt cx="0" cy="0"/>
+        </a:xfrm>
+      </p:grpSpPr>
+      <p:sp>
+        <p:nvSpPr>
+          <p:cNvPr id="2" name="Slide Image Placeholder 1"/>
+          <p:cNvSpPr>
+            <a:spLocks noGrp="1" noRot="1" noChangeAspect="1"/>
+          </p:cNvSpPr>
+          <p:nvPr>
+            <p:ph type="sldImg"/>
+          </p:nvPr>
+        </p:nvSpPr>
+        <p:spPr/>
+      </p:sp>
+      <p:sp>
+        <p:nvSpPr>
+          <p:cNvPr id="3" name="Notes Placeholder 2"/>
+          <p:cNvSpPr>
+            <a:spLocks noGrp="1"/>
+          </p:cNvSpPr>
+          <p:nvPr>
+            <p:ph type="body" idx="1"/>
+          </p:nvPr>
+        </p:nvSpPr>
+        <p:spPr/>
+        <p:txBody>
+          <a:bodyPr/>
+          <a:lstStyle/>
+          <a:p>
+            <a:pPr marL="0" marR="0" lvl="0" indent="0" algn="l" defTabSz="914400" rtl="0" eaLnBrk="1" fontAlgn="auto" latinLnBrk="0" hangingPunct="1">
+              <a:lnSpc>
+                <a:spcPct val="100000"/>
+              </a:lnSpc>
+              <a:spcBef>
+                <a:spcPts val="0"/>
+              </a:spcBef>
+              <a:spcAft>
+                <a:spcPts val="0"/>
+              </a:spcAft>
+              <a:buClrTx/>
+              <a:buSzTx/>
+              <a:buFontTx/>
+              <a:buNone/>
+              <a:tabLst/>
+              <a:defRPr/>
+            </a:pPr>
+            <a:r>
+              <a:rPr lang="en-US" sz="1200" kern="1200" dirty="0">
+                <a:solidFill>
+                  <a:schemeClr val="tx1"/>
+                </a:solidFill>
+                <a:effectLst/>
+                <a:latin typeface="+mn-lt"/>
+                <a:ea typeface="+mn-ea"/>
+                <a:cs typeface="+mn-cs"/>
+              </a:rPr>
+              <a:t>Parisa: </a:t>
+            </a:r>
+          </a:p>
+          <a:p>
+            <a:pPr marL="0" marR="0" lvl="0" indent="0" algn="l" defTabSz="914400" rtl="0" eaLnBrk="1" fontAlgn="auto" latinLnBrk="0" hangingPunct="1">
+              <a:lnSpc>
+                <a:spcPct val="100000"/>
+              </a:lnSpc>
+              <a:spcBef>
+                <a:spcPts val="0"/>
+              </a:spcBef>
+              <a:spcAft>
+                <a:spcPts val="0"/>
+              </a:spcAft>
+              <a:buClrTx/>
+              <a:buSzTx/>
+              <a:buFontTx/>
+              <a:buNone/>
+              <a:tabLst/>
+              <a:defRPr/>
+            </a:pPr>
+            <a:r>
+              <a:rPr lang="en-CA" sz="1200" kern="1200" dirty="0">
+                <a:solidFill>
+                  <a:schemeClr val="tx1"/>
+                </a:solidFill>
+                <a:effectLst/>
+                <a:latin typeface="+mn-lt"/>
+                <a:ea typeface="+mn-ea"/>
+                <a:cs typeface="+mn-cs"/>
+              </a:rPr>
+              <a:t>(to team member) Thanks guys you were awesome. </a:t>
+            </a:r>
+          </a:p>
+          <a:p>
+            <a:pPr marL="0" marR="0" lvl="0" indent="0" algn="l" defTabSz="914400" rtl="0" eaLnBrk="1" fontAlgn="auto" latinLnBrk="0" hangingPunct="1">
+              <a:lnSpc>
+                <a:spcPct val="100000"/>
+              </a:lnSpc>
+              <a:spcBef>
+                <a:spcPts val="0"/>
+              </a:spcBef>
+              <a:spcAft>
+                <a:spcPts val="0"/>
+              </a:spcAft>
+              <a:buClrTx/>
+              <a:buSzTx/>
+              <a:buFontTx/>
+              <a:buNone/>
+              <a:tabLst/>
+              <a:defRPr/>
+            </a:pPr>
+            <a:r>
+              <a:rPr lang="en-CA" sz="1200" kern="1200" dirty="0">
+                <a:solidFill>
+                  <a:schemeClr val="tx1"/>
+                </a:solidFill>
+                <a:effectLst/>
+                <a:latin typeface="+mn-lt"/>
+                <a:ea typeface="+mn-ea"/>
+                <a:cs typeface="+mn-cs"/>
+              </a:rPr>
+              <a:t>(to Audience) we appreciate for your interest and attention. If you have any questions and queries, we would love to hear about it.</a:t>
+            </a:r>
+            <a:endParaRPr lang="en-US" sz="1200" kern="1200" dirty="0">
+              <a:solidFill>
+                <a:schemeClr val="tx1"/>
+              </a:solidFill>
+              <a:effectLst/>
+              <a:latin typeface="+mn-lt"/>
+              <a:ea typeface="+mn-ea"/>
+              <a:cs typeface="+mn-cs"/>
+            </a:endParaRPr>
+          </a:p>
+          <a:p>
+            <a:endParaRPr lang="en-US" dirty="0"/>
+          </a:p>
+        </p:txBody>
+      </p:sp>
+      <p:sp>
+        <p:nvSpPr>
+          <p:cNvPr id="4" name="Slide Number Placeholder 3"/>
+          <p:cNvSpPr>
+            <a:spLocks noGrp="1"/>
+          </p:cNvSpPr>
+          <p:nvPr>
+            <p:ph type="sldNum" sz="quarter" idx="5"/>
+          </p:nvPr>
+        </p:nvSpPr>
+        <p:spPr/>
+        <p:txBody>
+          <a:bodyPr/>
+          <a:lstStyle/>
+          <a:p>
+            <a:fld id="{A701296D-2A25-4514-9968-139DC2DD9258}" type="slidenum">
+              <a:rPr lang="en-US" smtClean="0"/>
+              <a:t>11</a:t>
+            </a:fld>
+            <a:endParaRPr lang="en-US"/>
+          </a:p>
+        </p:txBody>
+      </p:sp>
+    </p:spTree>
+    <p:extLst>
+      <p:ext uri="{BB962C8B-B14F-4D97-AF65-F5344CB8AC3E}">
+        <p14:creationId xmlns:p14="http://schemas.microsoft.com/office/powerpoint/2010/main" val="435733016"/>
+      </p:ext>
+    </p:extLst>
+  </p:cSld>
+  <p:clrMapOvr>
+    <a:masterClrMapping/>
+  </p:clrMapOvr>
+</p:notes>
+</file>
+
 <file path=ppt/notesSlides/notesSlide2.xml><?xml version="1.0" encoding="utf-8"?>
 <p:notes xmlns:a="http://schemas.openxmlformats.org/drawingml/2006/main" xmlns:r="http://schemas.openxmlformats.org/officeDocument/2006/relationships" xmlns:p="http://schemas.openxmlformats.org/presentationml/2006/main">
   <p:cSld>
@@ -1151,8 +1338,390 @@
           <a:p>
             <a:r>
               <a:rPr lang="en-CA" dirty="0"/>
-              <a:t>[IN SCOPE] - Milad</a:t>
-            </a:r>
+              <a:t>[PROJECT DESCRIPTION] - Parisa</a:t>
+            </a:r>
+          </a:p>
+          <a:p>
+            <a:endParaRPr lang="en-CA" sz="1200" kern="1200" dirty="0">
+              <a:solidFill>
+                <a:schemeClr val="tx1"/>
+              </a:solidFill>
+              <a:effectLst/>
+              <a:latin typeface="+mn-lt"/>
+              <a:ea typeface="+mn-ea"/>
+              <a:cs typeface="+mn-cs"/>
+            </a:endParaRPr>
+          </a:p>
+          <a:p>
+            <a:r>
+              <a:rPr lang="en-CA" sz="1200" kern="1200" dirty="0">
+                <a:solidFill>
+                  <a:schemeClr val="tx1"/>
+                </a:solidFill>
+                <a:effectLst/>
+                <a:latin typeface="+mn-lt"/>
+                <a:ea typeface="+mn-ea"/>
+                <a:cs typeface="+mn-cs"/>
+              </a:rPr>
+              <a:t>Also, I would love give you an overview of our interesting project. With today’s busy lifestyle, it might be challenging to find either time or motivation for a workout. A whole hour of the precious time plus loads of research – that’s what it can take to build a sport routine. </a:t>
+            </a:r>
+            <a:endParaRPr lang="en-US" sz="1200" kern="1200" dirty="0">
+              <a:solidFill>
+                <a:schemeClr val="tx1"/>
+              </a:solidFill>
+              <a:effectLst/>
+              <a:latin typeface="+mn-lt"/>
+              <a:ea typeface="+mn-ea"/>
+              <a:cs typeface="+mn-cs"/>
+            </a:endParaRPr>
+          </a:p>
+          <a:p>
+            <a:r>
+              <a:rPr lang="en-CA" sz="1200" kern="1200" dirty="0">
+                <a:solidFill>
+                  <a:schemeClr val="tx1"/>
+                </a:solidFill>
+                <a:effectLst/>
+                <a:latin typeface="+mn-lt"/>
+                <a:ea typeface="+mn-ea"/>
+                <a:cs typeface="+mn-cs"/>
+              </a:rPr>
+              <a:t>So, wouldn’t it be easier to have all the exercises along with lifestyle tips in on place? That’s exactly what TopFit application is about! </a:t>
+            </a:r>
+            <a:endParaRPr lang="en-US" sz="1200" kern="1200" dirty="0">
+              <a:solidFill>
+                <a:schemeClr val="tx1"/>
+              </a:solidFill>
+              <a:effectLst/>
+              <a:latin typeface="+mn-lt"/>
+              <a:ea typeface="+mn-ea"/>
+              <a:cs typeface="+mn-cs"/>
+            </a:endParaRPr>
+          </a:p>
+          <a:p>
+            <a:r>
+              <a:rPr lang="en-CA" sz="1200" kern="1200" dirty="0">
+                <a:solidFill>
+                  <a:schemeClr val="tx1"/>
+                </a:solidFill>
+                <a:effectLst/>
+                <a:latin typeface="+mn-lt"/>
+                <a:ea typeface="+mn-ea"/>
+                <a:cs typeface="+mn-cs"/>
+              </a:rPr>
+              <a:t>With TopFit, users can schedule workouts, get reminders, track their activity and get advice on healthy habits. </a:t>
+            </a:r>
+            <a:endParaRPr lang="en-US" sz="1200" kern="1200" dirty="0">
+              <a:solidFill>
+                <a:schemeClr val="tx1"/>
+              </a:solidFill>
+              <a:effectLst/>
+              <a:latin typeface="+mn-lt"/>
+              <a:ea typeface="+mn-ea"/>
+              <a:cs typeface="+mn-cs"/>
+            </a:endParaRPr>
+          </a:p>
+          <a:p>
+            <a:r>
+              <a:rPr lang="en-CA" sz="1200" kern="1200" dirty="0">
+                <a:solidFill>
+                  <a:schemeClr val="tx1"/>
+                </a:solidFill>
+                <a:effectLst/>
+                <a:latin typeface="+mn-lt"/>
+                <a:ea typeface="+mn-ea"/>
+                <a:cs typeface="+mn-cs"/>
+              </a:rPr>
+              <a:t>TopFit can be installed on an Android device and is supported by a wide range of OS versions!</a:t>
+            </a:r>
+            <a:endParaRPr lang="en-US" sz="1200" kern="1200" dirty="0">
+              <a:solidFill>
+                <a:schemeClr val="tx1"/>
+              </a:solidFill>
+              <a:effectLst/>
+              <a:latin typeface="+mn-lt"/>
+              <a:ea typeface="+mn-ea"/>
+              <a:cs typeface="+mn-cs"/>
+            </a:endParaRPr>
+          </a:p>
+          <a:p>
+            <a:r>
+              <a:rPr lang="en-CA" sz="1200" kern="1200" dirty="0">
+                <a:solidFill>
+                  <a:schemeClr val="tx1"/>
+                </a:solidFill>
+                <a:effectLst/>
+                <a:latin typeface="+mn-lt"/>
+                <a:ea typeface="+mn-ea"/>
+                <a:cs typeface="+mn-cs"/>
+              </a:rPr>
+              <a:t>Also, I would like to define how this project addresses the business needs:</a:t>
+            </a:r>
+            <a:endParaRPr lang="en-US" sz="1200" kern="1200" dirty="0">
+              <a:solidFill>
+                <a:schemeClr val="tx1"/>
+              </a:solidFill>
+              <a:effectLst/>
+              <a:latin typeface="+mn-lt"/>
+              <a:ea typeface="+mn-ea"/>
+              <a:cs typeface="+mn-cs"/>
+            </a:endParaRPr>
+          </a:p>
+          <a:p>
+            <a:r>
+              <a:rPr lang="en-CA" sz="1200" kern="1200" dirty="0">
+                <a:solidFill>
+                  <a:schemeClr val="tx1"/>
+                </a:solidFill>
+                <a:effectLst/>
+                <a:latin typeface="+mn-lt"/>
+                <a:ea typeface="+mn-ea"/>
+                <a:cs typeface="+mn-cs"/>
+              </a:rPr>
+              <a:t>1.	TopFit offers workouts of different length</a:t>
+            </a:r>
+            <a:endParaRPr lang="en-US" sz="1200" kern="1200" dirty="0">
+              <a:solidFill>
+                <a:schemeClr val="tx1"/>
+              </a:solidFill>
+              <a:effectLst/>
+              <a:latin typeface="+mn-lt"/>
+              <a:ea typeface="+mn-ea"/>
+              <a:cs typeface="+mn-cs"/>
+            </a:endParaRPr>
+          </a:p>
+          <a:p>
+            <a:r>
+              <a:rPr lang="en-CA" sz="1200" kern="1200" dirty="0">
+                <a:solidFill>
+                  <a:schemeClr val="tx1"/>
+                </a:solidFill>
+                <a:effectLst/>
+                <a:latin typeface="+mn-lt"/>
+                <a:ea typeface="+mn-ea"/>
+                <a:cs typeface="+mn-cs"/>
+              </a:rPr>
+              <a:t>2.	Simple intuitive interface</a:t>
+            </a:r>
+            <a:endParaRPr lang="en-US" sz="1200" kern="1200" dirty="0">
+              <a:solidFill>
+                <a:schemeClr val="tx1"/>
+              </a:solidFill>
+              <a:effectLst/>
+              <a:latin typeface="+mn-lt"/>
+              <a:ea typeface="+mn-ea"/>
+              <a:cs typeface="+mn-cs"/>
+            </a:endParaRPr>
+          </a:p>
+          <a:p>
+            <a:r>
+              <a:rPr lang="en-CA" sz="1200" kern="1200" dirty="0">
+                <a:solidFill>
+                  <a:schemeClr val="tx1"/>
+                </a:solidFill>
+                <a:effectLst/>
+                <a:latin typeface="+mn-lt"/>
+                <a:ea typeface="+mn-ea"/>
+                <a:cs typeface="+mn-cs"/>
+              </a:rPr>
+              <a:t>3.	All the content is free of charge</a:t>
+            </a:r>
+            <a:endParaRPr lang="en-US" sz="1200" kern="1200" dirty="0">
+              <a:solidFill>
+                <a:schemeClr val="tx1"/>
+              </a:solidFill>
+              <a:effectLst/>
+              <a:latin typeface="+mn-lt"/>
+              <a:ea typeface="+mn-ea"/>
+              <a:cs typeface="+mn-cs"/>
+            </a:endParaRPr>
+          </a:p>
+          <a:p>
+            <a:r>
+              <a:rPr lang="en-CA" sz="1200" kern="1200" dirty="0">
+                <a:solidFill>
+                  <a:schemeClr val="tx1"/>
+                </a:solidFill>
+                <a:effectLst/>
+                <a:latin typeface="+mn-lt"/>
+                <a:ea typeface="+mn-ea"/>
+                <a:cs typeface="+mn-cs"/>
+              </a:rPr>
+              <a:t>4.	High accuracy estimations for faster results</a:t>
+            </a:r>
+            <a:endParaRPr lang="en-US" sz="1200" kern="1200" dirty="0">
+              <a:solidFill>
+                <a:schemeClr val="tx1"/>
+              </a:solidFill>
+              <a:effectLst/>
+              <a:latin typeface="+mn-lt"/>
+              <a:ea typeface="+mn-ea"/>
+              <a:cs typeface="+mn-cs"/>
+            </a:endParaRPr>
+          </a:p>
+          <a:p>
+            <a:r>
+              <a:rPr lang="en-CA" sz="1200" kern="1200" dirty="0">
+                <a:solidFill>
+                  <a:schemeClr val="tx1"/>
+                </a:solidFill>
+                <a:effectLst/>
+                <a:latin typeface="+mn-lt"/>
+                <a:ea typeface="+mn-ea"/>
+                <a:cs typeface="+mn-cs"/>
+              </a:rPr>
+              <a:t>5.	Notifications about upcoming workouts</a:t>
+            </a:r>
+            <a:endParaRPr lang="en-US" sz="1200" kern="1200" dirty="0">
+              <a:solidFill>
+                <a:schemeClr val="tx1"/>
+              </a:solidFill>
+              <a:effectLst/>
+              <a:latin typeface="+mn-lt"/>
+              <a:ea typeface="+mn-ea"/>
+              <a:cs typeface="+mn-cs"/>
+            </a:endParaRPr>
+          </a:p>
+          <a:p>
+            <a:r>
+              <a:rPr lang="en-CA" sz="1200" kern="1200" dirty="0">
+                <a:solidFill>
+                  <a:schemeClr val="tx1"/>
+                </a:solidFill>
+                <a:effectLst/>
+                <a:latin typeface="+mn-lt"/>
+                <a:ea typeface="+mn-ea"/>
+                <a:cs typeface="+mn-cs"/>
+              </a:rPr>
+              <a:t>6.	No need to purchase membership</a:t>
+            </a:r>
+            <a:endParaRPr lang="en-US" sz="1200" kern="1200" dirty="0">
+              <a:solidFill>
+                <a:schemeClr val="tx1"/>
+              </a:solidFill>
+              <a:effectLst/>
+              <a:latin typeface="+mn-lt"/>
+              <a:ea typeface="+mn-ea"/>
+              <a:cs typeface="+mn-cs"/>
+            </a:endParaRPr>
+          </a:p>
+          <a:p>
+            <a:r>
+              <a:rPr lang="en-CA" sz="1200" kern="1200" dirty="0">
+                <a:solidFill>
+                  <a:schemeClr val="tx1"/>
+                </a:solidFill>
+                <a:effectLst/>
+                <a:latin typeface="+mn-lt"/>
+                <a:ea typeface="+mn-ea"/>
+                <a:cs typeface="+mn-cs"/>
+              </a:rPr>
+              <a:t>7.	Workouts can be completed from any convenient place</a:t>
+            </a:r>
+            <a:endParaRPr lang="en-US" sz="1200" kern="1200" dirty="0">
+              <a:solidFill>
+                <a:schemeClr val="tx1"/>
+              </a:solidFill>
+              <a:effectLst/>
+              <a:latin typeface="+mn-lt"/>
+              <a:ea typeface="+mn-ea"/>
+              <a:cs typeface="+mn-cs"/>
+            </a:endParaRPr>
+          </a:p>
+          <a:p>
+            <a:r>
+              <a:rPr lang="en-CA" sz="1200" kern="1200" dirty="0">
+                <a:solidFill>
+                  <a:schemeClr val="tx1"/>
+                </a:solidFill>
+                <a:effectLst/>
+                <a:latin typeface="+mn-lt"/>
+                <a:ea typeface="+mn-ea"/>
+                <a:cs typeface="+mn-cs"/>
+              </a:rPr>
+              <a:t>8.	No partner / group is required to complete a workout</a:t>
+            </a:r>
+            <a:endParaRPr lang="en-US" sz="1200" kern="1200" dirty="0">
+              <a:solidFill>
+                <a:schemeClr val="tx1"/>
+              </a:solidFill>
+              <a:effectLst/>
+              <a:latin typeface="+mn-lt"/>
+              <a:ea typeface="+mn-ea"/>
+              <a:cs typeface="+mn-cs"/>
+            </a:endParaRPr>
+          </a:p>
+          <a:p>
+            <a:r>
+              <a:rPr lang="en-CA" sz="1200" kern="1200" dirty="0">
+                <a:solidFill>
+                  <a:schemeClr val="tx1"/>
+                </a:solidFill>
+                <a:effectLst/>
+                <a:latin typeface="+mn-lt"/>
+                <a:ea typeface="+mn-ea"/>
+                <a:cs typeface="+mn-cs"/>
+              </a:rPr>
+              <a:t> </a:t>
+            </a:r>
+            <a:endParaRPr lang="en-US" sz="1200" kern="1200" dirty="0">
+              <a:solidFill>
+                <a:schemeClr val="tx1"/>
+              </a:solidFill>
+              <a:effectLst/>
+              <a:latin typeface="+mn-lt"/>
+              <a:ea typeface="+mn-ea"/>
+              <a:cs typeface="+mn-cs"/>
+            </a:endParaRPr>
+          </a:p>
+          <a:p>
+            <a:r>
+              <a:rPr lang="en-CA" sz="1200" kern="1200" dirty="0">
+                <a:solidFill>
+                  <a:schemeClr val="tx1"/>
+                </a:solidFill>
+                <a:effectLst/>
+                <a:latin typeface="+mn-lt"/>
+                <a:ea typeface="+mn-ea"/>
+                <a:cs typeface="+mn-cs"/>
+              </a:rPr>
+              <a:t>Now we are back to our team member. I believe they have a lot of things to say about project. To present the application at its best, my team will talk about the project scope and technical requirement. We would also like to demonstrate the prototype of the first version of the TopFit application.</a:t>
+            </a:r>
+            <a:endParaRPr lang="en-US" sz="1200" kern="1200" dirty="0">
+              <a:solidFill>
+                <a:schemeClr val="tx1"/>
+              </a:solidFill>
+              <a:effectLst/>
+              <a:latin typeface="+mn-lt"/>
+              <a:ea typeface="+mn-ea"/>
+              <a:cs typeface="+mn-cs"/>
+            </a:endParaRPr>
+          </a:p>
+          <a:p>
+            <a:r>
+              <a:rPr lang="en-CA" sz="1200" kern="1200" dirty="0">
+                <a:solidFill>
+                  <a:schemeClr val="tx1"/>
+                </a:solidFill>
+                <a:effectLst/>
+                <a:latin typeface="+mn-lt"/>
+                <a:ea typeface="+mn-ea"/>
+                <a:cs typeface="+mn-cs"/>
+              </a:rPr>
+              <a:t>Nadia…  Milad… Vlad…</a:t>
+            </a:r>
+            <a:endParaRPr lang="en-US" sz="1200" kern="1200" dirty="0">
+              <a:solidFill>
+                <a:schemeClr val="tx1"/>
+              </a:solidFill>
+              <a:effectLst/>
+              <a:latin typeface="+mn-lt"/>
+              <a:ea typeface="+mn-ea"/>
+              <a:cs typeface="+mn-cs"/>
+            </a:endParaRPr>
+          </a:p>
+          <a:p>
+            <a:endParaRPr lang="en-US" dirty="0"/>
           </a:p>
         </p:txBody>
       </p:sp>
@@ -1182,7 +1751,7 @@
     </p:spTree>
     <p:extLst>
       <p:ext uri="{BB962C8B-B14F-4D97-AF65-F5344CB8AC3E}">
-        <p14:creationId xmlns:p14="http://schemas.microsoft.com/office/powerpoint/2010/main" val="4006553971"/>
+        <p14:creationId xmlns:p14="http://schemas.microsoft.com/office/powerpoint/2010/main" val="758572219"/>
       </p:ext>
     </p:extLst>
   </p:cSld>
@@ -1238,7 +1807,7 @@
           <a:p>
             <a:r>
               <a:rPr lang="en-CA" dirty="0"/>
-              <a:t>[OUT OF SCOPE] – Milad</a:t>
+              <a:t>[IN SCOPE] - Milad</a:t>
             </a:r>
           </a:p>
         </p:txBody>
@@ -1269,7 +1838,7 @@
     </p:spTree>
     <p:extLst>
       <p:ext uri="{BB962C8B-B14F-4D97-AF65-F5344CB8AC3E}">
-        <p14:creationId xmlns:p14="http://schemas.microsoft.com/office/powerpoint/2010/main" val="3206236264"/>
+        <p14:creationId xmlns:p14="http://schemas.microsoft.com/office/powerpoint/2010/main" val="4006553971"/>
       </p:ext>
     </p:extLst>
   </p:cSld>
@@ -1324,26 +1893,9 @@
           <a:lstStyle/>
           <a:p>
             <a:r>
-              <a:rPr lang="en-CA" sz="1200" kern="1200" dirty="0">
-                <a:solidFill>
-                  <a:schemeClr val="tx1"/>
-                </a:solidFill>
-                <a:effectLst/>
-                <a:latin typeface="+mn-lt"/>
-                <a:ea typeface="+mn-ea"/>
-                <a:cs typeface="+mn-cs"/>
-              </a:rPr>
-              <a:t>[MOCKUPS LINK] - Nadia</a:t>
-            </a:r>
-            <a:endParaRPr lang="en-US" sz="1200" kern="1200" dirty="0">
-              <a:solidFill>
-                <a:schemeClr val="tx1"/>
-              </a:solidFill>
-              <a:effectLst/>
-              <a:latin typeface="+mn-lt"/>
-              <a:ea typeface="+mn-ea"/>
-              <a:cs typeface="+mn-cs"/>
-            </a:endParaRPr>
+              <a:rPr lang="en-CA" dirty="0"/>
+              <a:t>[OUT OF SCOPE] – Milad</a:t>
+            </a:r>
           </a:p>
         </p:txBody>
       </p:sp>
@@ -1373,7 +1925,7 @@
     </p:spTree>
     <p:extLst>
       <p:ext uri="{BB962C8B-B14F-4D97-AF65-F5344CB8AC3E}">
-        <p14:creationId xmlns:p14="http://schemas.microsoft.com/office/powerpoint/2010/main" val="3157524629"/>
+        <p14:creationId xmlns:p14="http://schemas.microsoft.com/office/powerpoint/2010/main" val="3206236264"/>
       </p:ext>
     </p:extLst>
   </p:cSld>
@@ -1428,10 +1980,26 @@
           <a:lstStyle/>
           <a:p>
             <a:r>
-              <a:rPr lang="en-CA" dirty="0"/>
-              <a:t>[TECHNOLOGY REQUIREMENTS] - Milad</a:t>
-            </a:r>
-            <a:endParaRPr lang="en-US" dirty="0"/>
+              <a:rPr lang="en-CA" sz="1200" kern="1200" dirty="0">
+                <a:solidFill>
+                  <a:schemeClr val="tx1"/>
+                </a:solidFill>
+                <a:effectLst/>
+                <a:latin typeface="+mn-lt"/>
+                <a:ea typeface="+mn-ea"/>
+                <a:cs typeface="+mn-cs"/>
+              </a:rPr>
+              <a:t>[MOCKUPS LINK] - Nadia</a:t>
+            </a:r>
+            <a:endParaRPr lang="en-US" sz="1200" kern="1200" dirty="0">
+              <a:solidFill>
+                <a:schemeClr val="tx1"/>
+              </a:solidFill>
+              <a:effectLst/>
+              <a:latin typeface="+mn-lt"/>
+              <a:ea typeface="+mn-ea"/>
+              <a:cs typeface="+mn-cs"/>
+            </a:endParaRPr>
           </a:p>
         </p:txBody>
       </p:sp>
@@ -1461,7 +2029,7 @@
     </p:spTree>
     <p:extLst>
       <p:ext uri="{BB962C8B-B14F-4D97-AF65-F5344CB8AC3E}">
-        <p14:creationId xmlns:p14="http://schemas.microsoft.com/office/powerpoint/2010/main" val="3950800678"/>
+        <p14:creationId xmlns:p14="http://schemas.microsoft.com/office/powerpoint/2010/main" val="3157524629"/>
       </p:ext>
     </p:extLst>
   </p:cSld>
@@ -1517,13 +2085,7 @@
           <a:p>
             <a:r>
               <a:rPr lang="en-CA" dirty="0"/>
-              <a:t>[TECHNOLOGY REQUIREMENTS] - Vlad</a:t>
-            </a:r>
-          </a:p>
-          <a:p>
-            <a:r>
-              <a:rPr lang="en-CA" dirty="0"/>
-              <a:t>Learning plan</a:t>
+              <a:t>[TECHNOLOGY REQUIREMENTS] - Milad</a:t>
             </a:r>
             <a:endParaRPr lang="en-US" dirty="0"/>
           </a:p>
@@ -1555,7 +2117,7 @@
     </p:spTree>
     <p:extLst>
       <p:ext uri="{BB962C8B-B14F-4D97-AF65-F5344CB8AC3E}">
-        <p14:creationId xmlns:p14="http://schemas.microsoft.com/office/powerpoint/2010/main" val="3112419357"/>
+        <p14:creationId xmlns:p14="http://schemas.microsoft.com/office/powerpoint/2010/main" val="3950800678"/>
       </p:ext>
     </p:extLst>
   </p:cSld>
@@ -1611,8 +2173,15 @@
           <a:p>
             <a:r>
               <a:rPr lang="en-CA" dirty="0"/>
-              <a:t>[CONCLUSION: NEXT STEPS] - Vlad</a:t>
-            </a:r>
+              <a:t>[TECHNOLOGY REQUIREMENTS] - Vlad</a:t>
+            </a:r>
+          </a:p>
+          <a:p>
+            <a:r>
+              <a:rPr lang="en-CA" dirty="0"/>
+              <a:t>Learning plan</a:t>
+            </a:r>
+            <a:endParaRPr lang="en-US" dirty="0"/>
           </a:p>
         </p:txBody>
       </p:sp>
@@ -1642,7 +2211,7 @@
     </p:spTree>
     <p:extLst>
       <p:ext uri="{BB962C8B-B14F-4D97-AF65-F5344CB8AC3E}">
-        <p14:creationId xmlns:p14="http://schemas.microsoft.com/office/powerpoint/2010/main" val="851536647"/>
+        <p14:creationId xmlns:p14="http://schemas.microsoft.com/office/powerpoint/2010/main" val="3112419357"/>
       </p:ext>
     </p:extLst>
   </p:cSld>
@@ -1696,109 +2265,10 @@
           <a:bodyPr/>
           <a:lstStyle/>
           <a:p>
-            <a:pPr marL="0" marR="0" lvl="0" indent="0" algn="l" defTabSz="914400" rtl="0" eaLnBrk="1" fontAlgn="auto" latinLnBrk="0" hangingPunct="1">
-              <a:lnSpc>
-                <a:spcPct val="100000"/>
-              </a:lnSpc>
-              <a:spcBef>
-                <a:spcPts val="0"/>
-              </a:spcBef>
-              <a:spcAft>
-                <a:spcPts val="0"/>
-              </a:spcAft>
-              <a:buClrTx/>
-              <a:buSzTx/>
-              <a:buFontTx/>
-              <a:buNone/>
-              <a:tabLst/>
-              <a:defRPr/>
-            </a:pPr>
-            <a:r>
-              <a:rPr lang="en-US" sz="1200" kern="1200" dirty="0">
-                <a:solidFill>
-                  <a:schemeClr val="tx1"/>
-                </a:solidFill>
-                <a:effectLst/>
-                <a:latin typeface="+mn-lt"/>
-                <a:ea typeface="+mn-ea"/>
-                <a:cs typeface="+mn-cs"/>
-              </a:rPr>
-              <a:t>Parisa: </a:t>
-            </a:r>
-          </a:p>
-          <a:p>
-            <a:pPr marL="0" marR="0" lvl="0" indent="0" algn="l" defTabSz="914400" rtl="0" eaLnBrk="1" fontAlgn="auto" latinLnBrk="0" hangingPunct="1">
-              <a:lnSpc>
-                <a:spcPct val="100000"/>
-              </a:lnSpc>
-              <a:spcBef>
-                <a:spcPts val="0"/>
-              </a:spcBef>
-              <a:spcAft>
-                <a:spcPts val="0"/>
-              </a:spcAft>
-              <a:buClrTx/>
-              <a:buSzTx/>
-              <a:buFontTx/>
-              <a:buNone/>
-              <a:tabLst/>
-              <a:defRPr/>
-            </a:pPr>
-            <a:r>
-              <a:rPr lang="en-CA" sz="1200" kern="1200" dirty="0">
-                <a:solidFill>
-                  <a:schemeClr val="tx1"/>
-                </a:solidFill>
-                <a:effectLst/>
-                <a:latin typeface="+mn-lt"/>
-                <a:ea typeface="+mn-ea"/>
-                <a:cs typeface="+mn-cs"/>
-              </a:rPr>
-              <a:t>(to team member) Thanks guys you were awesome. </a:t>
-            </a:r>
-          </a:p>
-          <a:p>
-            <a:pPr marL="0" marR="0" lvl="0" indent="0" algn="l" defTabSz="914400" rtl="0" eaLnBrk="1" fontAlgn="auto" latinLnBrk="0" hangingPunct="1">
-              <a:lnSpc>
-                <a:spcPct val="100000"/>
-              </a:lnSpc>
-              <a:spcBef>
-                <a:spcPts val="0"/>
-              </a:spcBef>
-              <a:spcAft>
-                <a:spcPts val="0"/>
-              </a:spcAft>
-              <a:buClrTx/>
-              <a:buSzTx/>
-              <a:buFontTx/>
-              <a:buNone/>
-              <a:tabLst/>
-              <a:defRPr/>
-            </a:pPr>
-            <a:r>
-              <a:rPr lang="en-CA" sz="1200" kern="1200" dirty="0">
-                <a:solidFill>
-                  <a:schemeClr val="tx1"/>
-                </a:solidFill>
-                <a:effectLst/>
-                <a:latin typeface="+mn-lt"/>
-                <a:ea typeface="+mn-ea"/>
-                <a:cs typeface="+mn-cs"/>
-              </a:rPr>
-              <a:t>(to Audience) we appreciate for your interest and attention. If you have any questions and queries, we would love to hear about it.</a:t>
-            </a:r>
-            <a:endParaRPr lang="en-US" sz="1200" kern="1200" dirty="0">
-              <a:solidFill>
-                <a:schemeClr val="tx1"/>
-              </a:solidFill>
-              <a:effectLst/>
-              <a:latin typeface="+mn-lt"/>
-              <a:ea typeface="+mn-ea"/>
-              <a:cs typeface="+mn-cs"/>
-            </a:endParaRPr>
-          </a:p>
-          <a:p>
-            <a:endParaRPr lang="en-US" dirty="0"/>
+            <a:r>
+              <a:rPr lang="en-CA" dirty="0"/>
+              <a:t>[CONCLUSION: NEXT STEPS] - Vlad</a:t>
+            </a:r>
           </a:p>
         </p:txBody>
       </p:sp>
@@ -1828,7 +2298,7 @@
     </p:spTree>
     <p:extLst>
       <p:ext uri="{BB962C8B-B14F-4D97-AF65-F5344CB8AC3E}">
-        <p14:creationId xmlns:p14="http://schemas.microsoft.com/office/powerpoint/2010/main" val="435733016"/>
+        <p14:creationId xmlns:p14="http://schemas.microsoft.com/office/powerpoint/2010/main" val="851536647"/>
       </p:ext>
     </p:extLst>
   </p:cSld>
@@ -1967,7 +2437,7 @@
           <a:p>
             <a:fld id="{FE109C0C-FC66-4590-BD55-29E450DD3C9E}" type="datetimeFigureOut">
               <a:rPr lang="en-US" smtClean="0"/>
-              <a:t>11/23/2019</a:t>
+              <a:t>11/25/2019</a:t>
             </a:fld>
             <a:endParaRPr lang="en-US"/>
           </a:p>
@@ -2135,7 +2605,7 @@
           <a:p>
             <a:fld id="{FE109C0C-FC66-4590-BD55-29E450DD3C9E}" type="datetimeFigureOut">
               <a:rPr lang="en-US" smtClean="0"/>
-              <a:t>11/23/2019</a:t>
+              <a:t>11/25/2019</a:t>
             </a:fld>
             <a:endParaRPr lang="en-US"/>
           </a:p>
@@ -2313,7 +2783,7 @@
           <a:p>
             <a:fld id="{FE109C0C-FC66-4590-BD55-29E450DD3C9E}" type="datetimeFigureOut">
               <a:rPr lang="en-US" smtClean="0"/>
-              <a:t>11/23/2019</a:t>
+              <a:t>11/25/2019</a:t>
             </a:fld>
             <a:endParaRPr lang="en-US"/>
           </a:p>
@@ -2481,7 +2951,7 @@
           <a:p>
             <a:fld id="{FE109C0C-FC66-4590-BD55-29E450DD3C9E}" type="datetimeFigureOut">
               <a:rPr lang="en-US" smtClean="0"/>
-              <a:t>11/23/2019</a:t>
+              <a:t>11/25/2019</a:t>
             </a:fld>
             <a:endParaRPr lang="en-US"/>
           </a:p>
@@ -2726,7 +3196,7 @@
           <a:p>
             <a:fld id="{FE109C0C-FC66-4590-BD55-29E450DD3C9E}" type="datetimeFigureOut">
               <a:rPr lang="en-US" smtClean="0"/>
-              <a:t>11/23/2019</a:t>
+              <a:t>11/25/2019</a:t>
             </a:fld>
             <a:endParaRPr lang="en-US"/>
           </a:p>
@@ -2955,7 +3425,7 @@
           <a:p>
             <a:fld id="{FE109C0C-FC66-4590-BD55-29E450DD3C9E}" type="datetimeFigureOut">
               <a:rPr lang="en-US" smtClean="0"/>
-              <a:t>11/23/2019</a:t>
+              <a:t>11/25/2019</a:t>
             </a:fld>
             <a:endParaRPr lang="en-US"/>
           </a:p>
@@ -3319,7 +3789,7 @@
           <a:p>
             <a:fld id="{FE109C0C-FC66-4590-BD55-29E450DD3C9E}" type="datetimeFigureOut">
               <a:rPr lang="en-US" smtClean="0"/>
-              <a:t>11/23/2019</a:t>
+              <a:t>11/25/2019</a:t>
             </a:fld>
             <a:endParaRPr lang="en-US"/>
           </a:p>
@@ -3436,7 +3906,7 @@
           <a:p>
             <a:fld id="{FE109C0C-FC66-4590-BD55-29E450DD3C9E}" type="datetimeFigureOut">
               <a:rPr lang="en-US" smtClean="0"/>
-              <a:t>11/23/2019</a:t>
+              <a:t>11/25/2019</a:t>
             </a:fld>
             <a:endParaRPr lang="en-US"/>
           </a:p>
@@ -3531,7 +4001,7 @@
           <a:p>
             <a:fld id="{FE109C0C-FC66-4590-BD55-29E450DD3C9E}" type="datetimeFigureOut">
               <a:rPr lang="en-US" smtClean="0"/>
-              <a:t>11/23/2019</a:t>
+              <a:t>11/25/2019</a:t>
             </a:fld>
             <a:endParaRPr lang="en-US"/>
           </a:p>
@@ -3806,7 +4276,7 @@
           <a:p>
             <a:fld id="{FE109C0C-FC66-4590-BD55-29E450DD3C9E}" type="datetimeFigureOut">
               <a:rPr lang="en-US" smtClean="0"/>
-              <a:t>11/23/2019</a:t>
+              <a:t>11/25/2019</a:t>
             </a:fld>
             <a:endParaRPr lang="en-US"/>
           </a:p>
@@ -4058,7 +4528,7 @@
           <a:p>
             <a:fld id="{FE109C0C-FC66-4590-BD55-29E450DD3C9E}" type="datetimeFigureOut">
               <a:rPr lang="en-US" smtClean="0"/>
-              <a:t>11/23/2019</a:t>
+              <a:t>11/25/2019</a:t>
             </a:fld>
             <a:endParaRPr lang="en-US"/>
           </a:p>
@@ -4298,7 +4768,7 @@
           <a:p>
             <a:fld id="{FE109C0C-FC66-4590-BD55-29E450DD3C9E}" type="datetimeFigureOut">
               <a:rPr lang="en-US" smtClean="0"/>
-              <a:t>11/23/2019</a:t>
+              <a:t>11/25/2019</a:t>
             </a:fld>
             <a:endParaRPr lang="en-US"/>
           </a:p>
@@ -4980,6 +5450,214 @@
           <a:lstStyle/>
           <a:p>
             <a:pPr algn="r"/>
+            <a:r>
+              <a:rPr lang="en-CA" b="1" dirty="0">
+                <a:solidFill>
+                  <a:schemeClr val="bg2">
+                    <a:lumMod val="10000"/>
+                  </a:schemeClr>
+                </a:solidFill>
+                <a:latin typeface="Century Gothic" panose="020B0502020202020204" pitchFamily="34" charset="0"/>
+              </a:rPr>
+              <a:t>What’s Next?</a:t>
+            </a:r>
+            <a:endParaRPr lang="en-US" dirty="0"/>
+          </a:p>
+        </p:txBody>
+      </p:sp>
+      <p:pic>
+        <p:nvPicPr>
+          <p:cNvPr id="5" name="Content Placeholder 4" descr="Application Logo&#10;">
+            <a:extLst>
+              <a:ext uri="{FF2B5EF4-FFF2-40B4-BE49-F238E27FC236}">
+                <a16:creationId xmlns:a16="http://schemas.microsoft.com/office/drawing/2014/main" id="{5D9D0740-9906-461C-AA67-F598ACABA633}"/>
+              </a:ext>
+            </a:extLst>
+          </p:cNvPr>
+          <p:cNvPicPr>
+            <a:picLocks noGrp="1" noChangeAspect="1"/>
+          </p:cNvPicPr>
+          <p:nvPr>
+            <p:ph idx="1"/>
+          </p:nvPr>
+        </p:nvPicPr>
+        <p:blipFill>
+          <a:blip r:embed="rId3" cstate="print">
+            <a:extLst>
+              <a:ext uri="{28A0092B-C50C-407E-A947-70E740481C1C}">
+                <a14:useLocalDpi xmlns:a14="http://schemas.microsoft.com/office/drawing/2010/main" val="0"/>
+              </a:ext>
+            </a:extLst>
+          </a:blip>
+          <a:stretch>
+            <a:fillRect/>
+          </a:stretch>
+        </p:blipFill>
+        <p:spPr>
+          <a:xfrm>
+            <a:off x="838199" y="365124"/>
+            <a:ext cx="3469573" cy="1325563"/>
+          </a:xfrm>
+        </p:spPr>
+      </p:pic>
+      <p:sp>
+        <p:nvSpPr>
+          <p:cNvPr id="6" name="TextBox 5">
+            <a:extLst>
+              <a:ext uri="{FF2B5EF4-FFF2-40B4-BE49-F238E27FC236}">
+                <a16:creationId xmlns:a16="http://schemas.microsoft.com/office/drawing/2014/main" id="{28BF08AF-9274-46FC-A040-B50C4439C3B7}"/>
+              </a:ext>
+            </a:extLst>
+          </p:cNvPr>
+          <p:cNvSpPr txBox="1"/>
+          <p:nvPr/>
+        </p:nvSpPr>
+        <p:spPr>
+          <a:xfrm>
+            <a:off x="1049760" y="1930794"/>
+            <a:ext cx="10370271" cy="3691973"/>
+          </a:xfrm>
+          <a:prstGeom prst="rect">
+            <a:avLst/>
+          </a:prstGeom>
+          <a:noFill/>
+        </p:spPr>
+        <p:txBody>
+          <a:bodyPr wrap="square" rtlCol="0">
+            <a:spAutoFit/>
+          </a:bodyPr>
+          <a:lstStyle/>
+          <a:p>
+            <a:pPr>
+              <a:lnSpc>
+                <a:spcPct val="150000"/>
+              </a:lnSpc>
+            </a:pPr>
+            <a:r>
+              <a:rPr lang="en-CA" sz="3200" b="1" dirty="0">
+                <a:latin typeface="Century Gothic" panose="020B0502020202020204" pitchFamily="34" charset="0"/>
+              </a:rPr>
+              <a:t>Next Steps:</a:t>
+            </a:r>
+            <a:endParaRPr lang="ru-RU" sz="3200" b="1" dirty="0">
+              <a:latin typeface="Century Gothic" panose="020B0502020202020204" pitchFamily="34" charset="0"/>
+            </a:endParaRPr>
+          </a:p>
+          <a:p>
+            <a:pPr marL="457200" indent="-457200">
+              <a:lnSpc>
+                <a:spcPct val="150000"/>
+              </a:lnSpc>
+              <a:buFont typeface="Arial" panose="020B0604020202020204" pitchFamily="34" charset="0"/>
+              <a:buChar char="•"/>
+            </a:pPr>
+            <a:r>
+              <a:rPr lang="en-CA" sz="3200" dirty="0">
+                <a:latin typeface="Century Gothic" panose="020B0502020202020204" pitchFamily="34" charset="0"/>
+              </a:rPr>
+              <a:t>Evaluate the team performance during the term</a:t>
+            </a:r>
+          </a:p>
+          <a:p>
+            <a:pPr marL="457200" indent="-457200">
+              <a:lnSpc>
+                <a:spcPct val="150000"/>
+              </a:lnSpc>
+              <a:buFont typeface="Arial" panose="020B0604020202020204" pitchFamily="34" charset="0"/>
+              <a:buChar char="•"/>
+            </a:pPr>
+            <a:r>
+              <a:rPr lang="en-CA" sz="3200" dirty="0">
+                <a:latin typeface="Century Gothic" panose="020B0502020202020204" pitchFamily="34" charset="0"/>
+              </a:rPr>
+              <a:t>Reflect on the instructor’s feedback</a:t>
+            </a:r>
+          </a:p>
+          <a:p>
+            <a:pPr marL="457200" indent="-457200">
+              <a:lnSpc>
+                <a:spcPct val="150000"/>
+              </a:lnSpc>
+              <a:buFont typeface="Arial" panose="020B0604020202020204" pitchFamily="34" charset="0"/>
+              <a:buChar char="•"/>
+            </a:pPr>
+            <a:r>
+              <a:rPr lang="en-CA" sz="3200" dirty="0">
+                <a:latin typeface="Century Gothic" panose="020B0502020202020204" pitchFamily="34" charset="0"/>
+              </a:rPr>
+              <a:t>Start the development process</a:t>
+            </a:r>
+          </a:p>
+          <a:p>
+            <a:pPr>
+              <a:lnSpc>
+                <a:spcPct val="150000"/>
+              </a:lnSpc>
+            </a:pPr>
+            <a:r>
+              <a:rPr lang="en-CA" sz="3200" dirty="0">
+                <a:latin typeface="Century Gothic" panose="020B0502020202020204" pitchFamily="34" charset="0"/>
+              </a:rPr>
+              <a:t>…but before that – have a nice Christmas break</a:t>
+            </a:r>
+            <a:endParaRPr lang="en-US" sz="3200" dirty="0">
+              <a:latin typeface="Century Gothic" panose="020B0502020202020204" pitchFamily="34" charset="0"/>
+            </a:endParaRPr>
+          </a:p>
+        </p:txBody>
+      </p:sp>
+    </p:spTree>
+    <p:extLst>
+      <p:ext uri="{BB962C8B-B14F-4D97-AF65-F5344CB8AC3E}">
+        <p14:creationId xmlns:p14="http://schemas.microsoft.com/office/powerpoint/2010/main" val="3105043213"/>
+      </p:ext>
+    </p:extLst>
+  </p:cSld>
+  <p:clrMapOvr>
+    <a:masterClrMapping/>
+  </p:clrMapOvr>
+</p:sld>
+</file>
+
+<file path=ppt/slides/slide11.xml><?xml version="1.0" encoding="utf-8"?>
+<p:sld xmlns:a="http://schemas.openxmlformats.org/drawingml/2006/main" xmlns:r="http://schemas.openxmlformats.org/officeDocument/2006/relationships" xmlns:p="http://schemas.openxmlformats.org/presentationml/2006/main">
+  <p:cSld>
+    <p:spTree>
+      <p:nvGrpSpPr>
+        <p:cNvPr id="1" name=""/>
+        <p:cNvGrpSpPr/>
+        <p:nvPr/>
+      </p:nvGrpSpPr>
+      <p:grpSpPr>
+        <a:xfrm>
+          <a:off x="0" y="0"/>
+          <a:ext cx="0" cy="0"/>
+          <a:chOff x="0" y="0"/>
+          <a:chExt cx="0" cy="0"/>
+        </a:xfrm>
+      </p:grpSpPr>
+      <p:sp>
+        <p:nvSpPr>
+          <p:cNvPr id="2" name="Title 1">
+            <a:extLst>
+              <a:ext uri="{FF2B5EF4-FFF2-40B4-BE49-F238E27FC236}">
+                <a16:creationId xmlns:a16="http://schemas.microsoft.com/office/drawing/2014/main" id="{5C32DEFF-93F6-4F72-8207-E2DA28CE826F}"/>
+              </a:ext>
+            </a:extLst>
+          </p:cNvPr>
+          <p:cNvSpPr>
+            <a:spLocks noGrp="1"/>
+          </p:cNvSpPr>
+          <p:nvPr>
+            <p:ph type="title"/>
+          </p:nvPr>
+        </p:nvSpPr>
+        <p:spPr/>
+        <p:txBody>
+          <a:bodyPr/>
+          <a:lstStyle/>
+          <a:p>
+            <a:pPr algn="r"/>
             <a:endParaRPr lang="en-US" dirty="0"/>
           </a:p>
         </p:txBody>
@@ -5991,7 +6669,7 @@
                 </a:solidFill>
                 <a:latin typeface="Century Gothic" panose="020B0502020202020204" pitchFamily="34" charset="0"/>
               </a:rPr>
-              <a:t>What TopFit Can Offer?</a:t>
+              <a:t>What is TopFit?</a:t>
             </a:r>
             <a:endParaRPr lang="en-US" dirty="0"/>
           </a:p>
@@ -6032,6 +6710,143 @@
           </a:xfrm>
         </p:spPr>
       </p:pic>
+      <p:pic>
+        <p:nvPicPr>
+          <p:cNvPr id="7" name="Picture 6" descr="A close up of a map&#10;&#10;Description automatically generated">
+            <a:extLst>
+              <a:ext uri="{FF2B5EF4-FFF2-40B4-BE49-F238E27FC236}">
+                <a16:creationId xmlns:a16="http://schemas.microsoft.com/office/drawing/2014/main" id="{5046B783-DCFB-48DB-ADC8-AB16C03489F7}"/>
+              </a:ext>
+            </a:extLst>
+          </p:cNvPr>
+          <p:cNvPicPr>
+            <a:picLocks noChangeAspect="1"/>
+          </p:cNvPicPr>
+          <p:nvPr/>
+        </p:nvPicPr>
+        <p:blipFill rotWithShape="1">
+          <a:blip r:embed="rId4">
+            <a:extLst>
+              <a:ext uri="{28A0092B-C50C-407E-A947-70E740481C1C}">
+                <a14:useLocalDpi xmlns:a14="http://schemas.microsoft.com/office/drawing/2010/main" val="0"/>
+              </a:ext>
+            </a:extLst>
+          </a:blip>
+          <a:srcRect l="749" t="1022" r="1313" b="2059"/>
+          <a:stretch/>
+        </p:blipFill>
+        <p:spPr>
+          <a:xfrm>
+            <a:off x="3333750" y="1711325"/>
+            <a:ext cx="4972050" cy="4781550"/>
+          </a:xfrm>
+          <a:prstGeom prst="rect">
+            <a:avLst/>
+          </a:prstGeom>
+        </p:spPr>
+      </p:pic>
+    </p:spTree>
+    <p:extLst>
+      <p:ext uri="{BB962C8B-B14F-4D97-AF65-F5344CB8AC3E}">
+        <p14:creationId xmlns:p14="http://schemas.microsoft.com/office/powerpoint/2010/main" val="2003262720"/>
+      </p:ext>
+    </p:extLst>
+  </p:cSld>
+  <p:clrMapOvr>
+    <a:masterClrMapping/>
+  </p:clrMapOvr>
+</p:sld>
+</file>
+
+<file path=ppt/slides/slide5.xml><?xml version="1.0" encoding="utf-8"?>
+<p:sld xmlns:a="http://schemas.openxmlformats.org/drawingml/2006/main" xmlns:r="http://schemas.openxmlformats.org/officeDocument/2006/relationships" xmlns:p="http://schemas.openxmlformats.org/presentationml/2006/main">
+  <p:cSld>
+    <p:spTree>
+      <p:nvGrpSpPr>
+        <p:cNvPr id="1" name=""/>
+        <p:cNvGrpSpPr/>
+        <p:nvPr/>
+      </p:nvGrpSpPr>
+      <p:grpSpPr>
+        <a:xfrm>
+          <a:off x="0" y="0"/>
+          <a:ext cx="0" cy="0"/>
+          <a:chOff x="0" y="0"/>
+          <a:chExt cx="0" cy="0"/>
+        </a:xfrm>
+      </p:grpSpPr>
+      <p:sp>
+        <p:nvSpPr>
+          <p:cNvPr id="2" name="Title 1">
+            <a:extLst>
+              <a:ext uri="{FF2B5EF4-FFF2-40B4-BE49-F238E27FC236}">
+                <a16:creationId xmlns:a16="http://schemas.microsoft.com/office/drawing/2014/main" id="{5C32DEFF-93F6-4F72-8207-E2DA28CE826F}"/>
+              </a:ext>
+            </a:extLst>
+          </p:cNvPr>
+          <p:cNvSpPr>
+            <a:spLocks noGrp="1"/>
+          </p:cNvSpPr>
+          <p:nvPr>
+            <p:ph type="title"/>
+          </p:nvPr>
+        </p:nvSpPr>
+        <p:spPr/>
+        <p:txBody>
+          <a:bodyPr/>
+          <a:lstStyle/>
+          <a:p>
+            <a:pPr algn="r"/>
+            <a:r>
+              <a:rPr lang="en-CA" b="1" dirty="0">
+                <a:solidFill>
+                  <a:schemeClr val="bg2">
+                    <a:lumMod val="10000"/>
+                  </a:schemeClr>
+                </a:solidFill>
+                <a:latin typeface="Century Gothic" panose="020B0502020202020204" pitchFamily="34" charset="0"/>
+              </a:rPr>
+              <a:t>What TopFit Can Offer?</a:t>
+            </a:r>
+            <a:endParaRPr lang="en-US" dirty="0"/>
+          </a:p>
+        </p:txBody>
+      </p:sp>
+      <p:pic>
+        <p:nvPicPr>
+          <p:cNvPr id="5" name="Content Placeholder 4" descr="Application Logo&#10;">
+            <a:extLst>
+              <a:ext uri="{FF2B5EF4-FFF2-40B4-BE49-F238E27FC236}">
+                <a16:creationId xmlns:a16="http://schemas.microsoft.com/office/drawing/2014/main" id="{5D9D0740-9906-461C-AA67-F598ACABA633}"/>
+              </a:ext>
+            </a:extLst>
+          </p:cNvPr>
+          <p:cNvPicPr>
+            <a:picLocks noGrp="1" noChangeAspect="1"/>
+          </p:cNvPicPr>
+          <p:nvPr>
+            <p:ph idx="1"/>
+          </p:nvPr>
+        </p:nvPicPr>
+        <p:blipFill>
+          <a:blip r:embed="rId3" cstate="print">
+            <a:extLst>
+              <a:ext uri="{28A0092B-C50C-407E-A947-70E740481C1C}">
+                <a14:useLocalDpi xmlns:a14="http://schemas.microsoft.com/office/drawing/2010/main" val="0"/>
+              </a:ext>
+            </a:extLst>
+          </a:blip>
+          <a:stretch>
+            <a:fillRect/>
+          </a:stretch>
+        </p:blipFill>
+        <p:spPr>
+          <a:xfrm>
+            <a:off x="838199" y="365124"/>
+            <a:ext cx="3469573" cy="1325563"/>
+          </a:xfrm>
+        </p:spPr>
+      </p:pic>
       <p:sp>
         <p:nvSpPr>
           <p:cNvPr id="3" name="TextBox 2">
@@ -6066,19 +6881,7 @@
               <a:rPr lang="en-CA" dirty="0">
                 <a:hlinkClick r:id="rId5" action="ppaction://hlinkfile"/>
               </a:rPr>
-              <a:t>M</a:t>
-            </a:r>
-            <a:r>
-              <a:rPr lang="en-CA" dirty="0">
-                <a:hlinkClick r:id="rId5" action="ppaction://hlinkfile"/>
-              </a:rPr>
-              <a:t>o</a:t>
-            </a:r>
-            <a:r>
-              <a:rPr lang="en-CA" dirty="0">
-                <a:hlinkClick r:id="rId5" action="ppaction://hlinkfile"/>
-              </a:rPr>
-              <a:t>re Details</a:t>
+              <a:t>More Details</a:t>
             </a:r>
             <a:endParaRPr lang="en-US" dirty="0"/>
           </a:p>
@@ -6234,7 +7037,7 @@
 </p:sld>
 </file>
 
-<file path=ppt/slides/slide5.xml><?xml version="1.0" encoding="utf-8"?>
+<file path=ppt/slides/slide6.xml><?xml version="1.0" encoding="utf-8"?>
 <p:sld xmlns:a="http://schemas.openxmlformats.org/drawingml/2006/main" xmlns:r="http://schemas.openxmlformats.org/officeDocument/2006/relationships" xmlns:p="http://schemas.openxmlformats.org/presentationml/2006/main">
   <p:cSld>
     <p:spTree>
@@ -6512,7 +7315,7 @@
 </p:sld>
 </file>
 
-<file path=ppt/slides/slide6.xml><?xml version="1.0" encoding="utf-8"?>
+<file path=ppt/slides/slide7.xml><?xml version="1.0" encoding="utf-8"?>
 <p:sld xmlns:a="http://schemas.openxmlformats.org/drawingml/2006/main" xmlns:r="http://schemas.openxmlformats.org/officeDocument/2006/relationships" xmlns:p="http://schemas.openxmlformats.org/presentationml/2006/main">
   <p:cSld>
     <p:spTree>
@@ -6704,7 +7507,7 @@
 </p:sld>
 </file>
 
-<file path=ppt/slides/slide7.xml><?xml version="1.0" encoding="utf-8"?>
+<file path=ppt/slides/slide8.xml><?xml version="1.0" encoding="utf-8"?>
 <p:sld xmlns:a="http://schemas.openxmlformats.org/drawingml/2006/main" xmlns:r="http://schemas.openxmlformats.org/officeDocument/2006/relationships" xmlns:p="http://schemas.openxmlformats.org/presentationml/2006/main">
   <p:cSld>
     <p:spTree>
@@ -7349,7 +8152,7 @@
 </p:sld>
 </file>
 
-<file path=ppt/slides/slide8.xml><?xml version="1.0" encoding="utf-8"?>
+<file path=ppt/slides/slide9.xml><?xml version="1.0" encoding="utf-8"?>
 <p:sld xmlns:a="http://schemas.openxmlformats.org/drawingml/2006/main" xmlns:r="http://schemas.openxmlformats.org/officeDocument/2006/relationships" xmlns:p="http://schemas.openxmlformats.org/presentationml/2006/main">
   <p:cSld>
     <p:spTree>
@@ -7641,214 +8444,6 @@
     <p:extLst>
       <p:ext uri="{BB962C8B-B14F-4D97-AF65-F5344CB8AC3E}">
         <p14:creationId xmlns:p14="http://schemas.microsoft.com/office/powerpoint/2010/main" val="4017187287"/>
-      </p:ext>
-    </p:extLst>
-  </p:cSld>
-  <p:clrMapOvr>
-    <a:masterClrMapping/>
-  </p:clrMapOvr>
-</p:sld>
-</file>
-
-<file path=ppt/slides/slide9.xml><?xml version="1.0" encoding="utf-8"?>
-<p:sld xmlns:a="http://schemas.openxmlformats.org/drawingml/2006/main" xmlns:r="http://schemas.openxmlformats.org/officeDocument/2006/relationships" xmlns:p="http://schemas.openxmlformats.org/presentationml/2006/main">
-  <p:cSld>
-    <p:spTree>
-      <p:nvGrpSpPr>
-        <p:cNvPr id="1" name=""/>
-        <p:cNvGrpSpPr/>
-        <p:nvPr/>
-      </p:nvGrpSpPr>
-      <p:grpSpPr>
-        <a:xfrm>
-          <a:off x="0" y="0"/>
-          <a:ext cx="0" cy="0"/>
-          <a:chOff x="0" y="0"/>
-          <a:chExt cx="0" cy="0"/>
-        </a:xfrm>
-      </p:grpSpPr>
-      <p:sp>
-        <p:nvSpPr>
-          <p:cNvPr id="2" name="Title 1">
-            <a:extLst>
-              <a:ext uri="{FF2B5EF4-FFF2-40B4-BE49-F238E27FC236}">
-                <a16:creationId xmlns:a16="http://schemas.microsoft.com/office/drawing/2014/main" id="{5C32DEFF-93F6-4F72-8207-E2DA28CE826F}"/>
-              </a:ext>
-            </a:extLst>
-          </p:cNvPr>
-          <p:cNvSpPr>
-            <a:spLocks noGrp="1"/>
-          </p:cNvSpPr>
-          <p:nvPr>
-            <p:ph type="title"/>
-          </p:nvPr>
-        </p:nvSpPr>
-        <p:spPr/>
-        <p:txBody>
-          <a:bodyPr/>
-          <a:lstStyle/>
-          <a:p>
-            <a:pPr algn="r"/>
-            <a:r>
-              <a:rPr lang="en-CA" b="1" dirty="0">
-                <a:solidFill>
-                  <a:schemeClr val="bg2">
-                    <a:lumMod val="10000"/>
-                  </a:schemeClr>
-                </a:solidFill>
-                <a:latin typeface="Century Gothic" panose="020B0502020202020204" pitchFamily="34" charset="0"/>
-              </a:rPr>
-              <a:t>What’s Next?</a:t>
-            </a:r>
-            <a:endParaRPr lang="en-US" dirty="0"/>
-          </a:p>
-        </p:txBody>
-      </p:sp>
-      <p:pic>
-        <p:nvPicPr>
-          <p:cNvPr id="5" name="Content Placeholder 4" descr="Application Logo&#10;">
-            <a:extLst>
-              <a:ext uri="{FF2B5EF4-FFF2-40B4-BE49-F238E27FC236}">
-                <a16:creationId xmlns:a16="http://schemas.microsoft.com/office/drawing/2014/main" id="{5D9D0740-9906-461C-AA67-F598ACABA633}"/>
-              </a:ext>
-            </a:extLst>
-          </p:cNvPr>
-          <p:cNvPicPr>
-            <a:picLocks noGrp="1" noChangeAspect="1"/>
-          </p:cNvPicPr>
-          <p:nvPr>
-            <p:ph idx="1"/>
-          </p:nvPr>
-        </p:nvPicPr>
-        <p:blipFill>
-          <a:blip r:embed="rId3" cstate="print">
-            <a:extLst>
-              <a:ext uri="{28A0092B-C50C-407E-A947-70E740481C1C}">
-                <a14:useLocalDpi xmlns:a14="http://schemas.microsoft.com/office/drawing/2010/main" val="0"/>
-              </a:ext>
-            </a:extLst>
-          </a:blip>
-          <a:stretch>
-            <a:fillRect/>
-          </a:stretch>
-        </p:blipFill>
-        <p:spPr>
-          <a:xfrm>
-            <a:off x="838199" y="365124"/>
-            <a:ext cx="3469573" cy="1325563"/>
-          </a:xfrm>
-        </p:spPr>
-      </p:pic>
-      <p:sp>
-        <p:nvSpPr>
-          <p:cNvPr id="6" name="TextBox 5">
-            <a:extLst>
-              <a:ext uri="{FF2B5EF4-FFF2-40B4-BE49-F238E27FC236}">
-                <a16:creationId xmlns:a16="http://schemas.microsoft.com/office/drawing/2014/main" id="{28BF08AF-9274-46FC-A040-B50C4439C3B7}"/>
-              </a:ext>
-            </a:extLst>
-          </p:cNvPr>
-          <p:cNvSpPr txBox="1"/>
-          <p:nvPr/>
-        </p:nvSpPr>
-        <p:spPr>
-          <a:xfrm>
-            <a:off x="1049760" y="1930794"/>
-            <a:ext cx="10370271" cy="3691973"/>
-          </a:xfrm>
-          <a:prstGeom prst="rect">
-            <a:avLst/>
-          </a:prstGeom>
-          <a:noFill/>
-        </p:spPr>
-        <p:txBody>
-          <a:bodyPr wrap="square" rtlCol="0">
-            <a:spAutoFit/>
-          </a:bodyPr>
-          <a:lstStyle/>
-          <a:p>
-            <a:pPr>
-              <a:lnSpc>
-                <a:spcPct val="150000"/>
-              </a:lnSpc>
-            </a:pPr>
-            <a:r>
-              <a:rPr lang="en-CA" sz="3200" b="1" dirty="0">
-                <a:latin typeface="Century Gothic" panose="020B0502020202020204" pitchFamily="34" charset="0"/>
-              </a:rPr>
-              <a:t>Next Steps:</a:t>
-            </a:r>
-            <a:endParaRPr lang="ru-RU" sz="3200" b="1" dirty="0">
-              <a:latin typeface="Century Gothic" panose="020B0502020202020204" pitchFamily="34" charset="0"/>
-            </a:endParaRPr>
-          </a:p>
-          <a:p>
-            <a:pPr marL="457200" indent="-457200">
-              <a:lnSpc>
-                <a:spcPct val="150000"/>
-              </a:lnSpc>
-              <a:buFont typeface="Arial" panose="020B0604020202020204" pitchFamily="34" charset="0"/>
-              <a:buChar char="•"/>
-            </a:pPr>
-            <a:r>
-              <a:rPr lang="en-CA" sz="3200" dirty="0">
-                <a:latin typeface="Century Gothic" panose="020B0502020202020204" pitchFamily="34" charset="0"/>
-              </a:rPr>
-              <a:t>Evaluate the team performance during the term</a:t>
-            </a:r>
-          </a:p>
-          <a:p>
-            <a:pPr marL="457200" indent="-457200">
-              <a:lnSpc>
-                <a:spcPct val="150000"/>
-              </a:lnSpc>
-              <a:buFont typeface="Arial" panose="020B0604020202020204" pitchFamily="34" charset="0"/>
-              <a:buChar char="•"/>
-            </a:pPr>
-            <a:r>
-              <a:rPr lang="en-CA" sz="3200" dirty="0">
-                <a:latin typeface="Century Gothic" panose="020B0502020202020204" pitchFamily="34" charset="0"/>
-              </a:rPr>
-              <a:t>Reflect on the instructor’s feedback</a:t>
-            </a:r>
-          </a:p>
-          <a:p>
-            <a:pPr marL="457200" indent="-457200">
-              <a:lnSpc>
-                <a:spcPct val="150000"/>
-              </a:lnSpc>
-              <a:buFont typeface="Arial" panose="020B0604020202020204" pitchFamily="34" charset="0"/>
-              <a:buChar char="•"/>
-            </a:pPr>
-            <a:r>
-              <a:rPr lang="en-CA" sz="3200" dirty="0">
-                <a:latin typeface="Century Gothic" panose="020B0502020202020204" pitchFamily="34" charset="0"/>
-              </a:rPr>
-              <a:t>Start the development process</a:t>
-            </a:r>
-          </a:p>
-          <a:p>
-            <a:pPr>
-              <a:lnSpc>
-                <a:spcPct val="150000"/>
-              </a:lnSpc>
-            </a:pPr>
-            <a:r>
-              <a:rPr lang="en-CA" sz="3200" dirty="0">
-                <a:latin typeface="Century Gothic" panose="020B0502020202020204" pitchFamily="34" charset="0"/>
-              </a:rPr>
-              <a:t>…but before that – have a nice Christmas break</a:t>
-            </a:r>
-            <a:endParaRPr lang="en-US" sz="3200" dirty="0">
-              <a:latin typeface="Century Gothic" panose="020B0502020202020204" pitchFamily="34" charset="0"/>
-            </a:endParaRPr>
-          </a:p>
-        </p:txBody>
-      </p:sp>
-    </p:spTree>
-    <p:extLst>
-      <p:ext uri="{BB962C8B-B14F-4D97-AF65-F5344CB8AC3E}">
-        <p14:creationId xmlns:p14="http://schemas.microsoft.com/office/powerpoint/2010/main" val="3105043213"/>
       </p:ext>
     </p:extLst>
   </p:cSld>
@@ -8632,18 +9227,18 @@
 </file>
 
 <file path=customXml/item2.xml><?xml version="1.0" encoding="utf-8"?>
-<p:properties xmlns:p="http://schemas.microsoft.com/office/2006/metadata/properties" xmlns:xsi="http://www.w3.org/2001/XMLSchema-instance" xmlns:pc="http://schemas.microsoft.com/office/infopath/2007/PartnerControls">
-  <documentManagement/>
-</p:properties>
-</file>
-
-<file path=customXml/item3.xml><?xml version="1.0" encoding="utf-8"?>
 <?mso-contentType ?>
 <FormTemplates xmlns="http://schemas.microsoft.com/sharepoint/v3/contenttype/forms">
   <Display>DocumentLibraryForm</Display>
   <Edit>DocumentLibraryForm</Edit>
   <New>DocumentLibraryForm</New>
 </FormTemplates>
+</file>
+
+<file path=customXml/item3.xml><?xml version="1.0" encoding="utf-8"?>
+<p:properties xmlns:p="http://schemas.microsoft.com/office/2006/metadata/properties" xmlns:xsi="http://www.w3.org/2001/XMLSchema-instance" xmlns:pc="http://schemas.microsoft.com/office/infopath/2007/PartnerControls">
+  <documentManagement/>
+</p:properties>
 </file>
 
 <file path=customXml/itemProps1.xml><?xml version="1.0" encoding="utf-8"?>
@@ -8666,18 +9261,18 @@
 </file>
 
 <file path=customXml/itemProps2.xml><?xml version="1.0" encoding="utf-8"?>
+<ds:datastoreItem xmlns:ds="http://schemas.openxmlformats.org/officeDocument/2006/customXml" ds:itemID="{B9505F6C-6655-4394-A390-5D0FFB49AEA6}">
+  <ds:schemaRefs>
+    <ds:schemaRef ds:uri="http://schemas.microsoft.com/sharepoint/v3/contenttype/forms"/>
+  </ds:schemaRefs>
+</ds:datastoreItem>
+</file>
+
+<file path=customXml/itemProps3.xml><?xml version="1.0" encoding="utf-8"?>
 <ds:datastoreItem xmlns:ds="http://schemas.openxmlformats.org/officeDocument/2006/customXml" ds:itemID="{A75EC8C0-5113-4EFD-AE80-6BEE7563151B}">
   <ds:schemaRefs>
     <ds:schemaRef ds:uri="http://schemas.microsoft.com/office/2006/metadata/properties"/>
     <ds:schemaRef ds:uri="http://schemas.microsoft.com/office/infopath/2007/PartnerControls"/>
   </ds:schemaRefs>
 </ds:datastoreItem>
-</file>
-
-<file path=customXml/itemProps3.xml><?xml version="1.0" encoding="utf-8"?>
-<ds:datastoreItem xmlns:ds="http://schemas.openxmlformats.org/officeDocument/2006/customXml" ds:itemID="{B9505F6C-6655-4394-A390-5D0FFB49AEA6}">
-  <ds:schemaRefs>
-    <ds:schemaRef ds:uri="http://schemas.microsoft.com/sharepoint/v3/contenttype/forms"/>
-  </ds:schemaRefs>
-</ds:datastoreItem>
 </file>